--- a/Kansrekenen (met Python).pptx
+++ b/Kansrekenen (met Python).pptx
@@ -8,6 +8,12 @@
     <p:sldId id="256" r:id="rId2"/>
     <p:sldId id="257" r:id="rId3"/>
     <p:sldId id="258" r:id="rId4"/>
+    <p:sldId id="259" r:id="rId5"/>
+    <p:sldId id="260" r:id="rId6"/>
+    <p:sldId id="261" r:id="rId7"/>
+    <p:sldId id="262" r:id="rId8"/>
+    <p:sldId id="263" r:id="rId9"/>
+    <p:sldId id="264" r:id="rId10"/>
   </p:sldIdLst>
   <p:sldSz cx="12192000" cy="6858000"/>
   <p:notesSz cx="6858000" cy="9144000"/>
@@ -5550,6 +5556,23 @@
               <a:t>Globaal gedrag</a:t>
             </a:r>
           </a:p>
+          <a:p>
+            <a:pPr>
+              <a:buFont typeface="Wingdings" panose="05000000000000000000" pitchFamily="2" charset="2"/>
+              <a:buChar char="q"/>
+            </a:pPr>
+            <a:r>
+              <a:rPr lang="nl-BE" dirty="0"/>
+              <a:t>Relatieve frequentie in de long-run van</a:t>
+            </a:r>
+            <a:br>
+              <a:rPr lang="nl-BE" dirty="0"/>
+            </a:br>
+            <a:r>
+              <a:rPr lang="nl-BE" dirty="0"/>
+              <a:t>fenomenen die aan het toeval onderhevig zijn</a:t>
+            </a:r>
+          </a:p>
         </p:txBody>
       </p:sp>
     </p:spTree>
@@ -5779,7 +5802,7 @@
         </p:nvSpPr>
         <p:spPr>
           <a:xfrm>
-            <a:off x="1198633" y="4624534"/>
+            <a:off x="1046233" y="4618345"/>
             <a:ext cx="1366080" cy="369332"/>
           </a:xfrm>
           <a:prstGeom prst="rect">
@@ -5912,10 +5935,1212 @@
           </a:p>
         </p:txBody>
       </p:sp>
+      <p:sp>
+        <p:nvSpPr>
+          <p:cNvPr id="13" name="Tekstvak 12">
+            <a:extLst>
+              <a:ext uri="{FF2B5EF4-FFF2-40B4-BE49-F238E27FC236}">
+                <a16:creationId xmlns:a16="http://schemas.microsoft.com/office/drawing/2014/main" id="{D01F9A1E-FA9C-457C-886B-B9C0A41775B3}"/>
+              </a:ext>
+            </a:extLst>
+          </p:cNvPr>
+          <p:cNvSpPr txBox="1"/>
+          <p:nvPr/>
+        </p:nvSpPr>
+        <p:spPr>
+          <a:xfrm>
+            <a:off x="0" y="6596390"/>
+            <a:ext cx="7015062" cy="261610"/>
+          </a:xfrm>
+          <a:prstGeom prst="rect">
+            <a:avLst/>
+          </a:prstGeom>
+          <a:noFill/>
+        </p:spPr>
+        <p:txBody>
+          <a:bodyPr wrap="none" rtlCol="0">
+            <a:spAutoFit/>
+          </a:bodyPr>
+          <a:lstStyle/>
+          <a:p>
+            <a:r>
+              <a:rPr lang="nl-BE" sz="1100" dirty="0"/>
+              <a:t>Code: </a:t>
+            </a:r>
+            <a:r>
+              <a:rPr lang="nl-BE" sz="1100" dirty="0">
+                <a:solidFill>
+                  <a:schemeClr val="accent1"/>
+                </a:solidFill>
+                <a:hlinkClick r:id="rId6">
+                  <a:extLst>
+                    <a:ext uri="{A12FA001-AC4F-418D-AE19-62706E023703}">
+                      <ahyp:hlinkClr xmlns:ahyp="http://schemas.microsoft.com/office/drawing/2018/hyperlinkcolor" val="tx"/>
+                    </a:ext>
+                  </a:extLst>
+                </a:hlinkClick>
+              </a:rPr>
+              <a:t>https://github.com/jonasclaes/Kansrekenen_met_Python/blob/master/dobbelsteen-basic.py</a:t>
+            </a:r>
+            <a:endParaRPr lang="nl-BE" sz="1100" dirty="0">
+              <a:solidFill>
+                <a:schemeClr val="accent1"/>
+              </a:solidFill>
+            </a:endParaRPr>
+          </a:p>
+        </p:txBody>
+      </p:sp>
     </p:spTree>
     <p:extLst>
       <p:ext uri="{BB962C8B-B14F-4D97-AF65-F5344CB8AC3E}">
         <p14:creationId xmlns:p14="http://schemas.microsoft.com/office/powerpoint/2010/main" val="2435649006"/>
+      </p:ext>
+    </p:extLst>
+  </p:cSld>
+  <p:clrMapOvr>
+    <a:masterClrMapping/>
+  </p:clrMapOvr>
+  <p:timing>
+    <p:tnLst>
+      <p:par>
+        <p:cTn id="1" dur="indefinite" restart="never" nodeType="tmRoot">
+          <p:childTnLst>
+            <p:seq concurrent="1" nextAc="seek">
+              <p:cTn id="2" dur="indefinite" nodeType="mainSeq">
+                <p:childTnLst>
+                  <p:par>
+                    <p:cTn id="3" fill="hold">
+                      <p:stCondLst>
+                        <p:cond delay="indefinite"/>
+                      </p:stCondLst>
+                      <p:childTnLst>
+                        <p:par>
+                          <p:cTn id="4" fill="hold">
+                            <p:stCondLst>
+                              <p:cond delay="0"/>
+                            </p:stCondLst>
+                            <p:childTnLst>
+                              <p:par>
+                                <p:cTn id="5" presetID="10" presetClass="entr" presetSubtype="0" fill="hold" nodeType="clickEffect">
+                                  <p:stCondLst>
+                                    <p:cond delay="0"/>
+                                  </p:stCondLst>
+                                  <p:childTnLst>
+                                    <p:set>
+                                      <p:cBhvr>
+                                        <p:cTn id="6" dur="1" fill="hold">
+                                          <p:stCondLst>
+                                            <p:cond delay="0"/>
+                                          </p:stCondLst>
+                                        </p:cTn>
+                                        <p:tgtEl>
+                                          <p:spTgt spid="5"/>
+                                        </p:tgtEl>
+                                        <p:attrNameLst>
+                                          <p:attrName>style.visibility</p:attrName>
+                                        </p:attrNameLst>
+                                      </p:cBhvr>
+                                      <p:to>
+                                        <p:strVal val="visible"/>
+                                      </p:to>
+                                    </p:set>
+                                    <p:animEffect transition="in" filter="fade">
+                                      <p:cBhvr>
+                                        <p:cTn id="7" dur="500"/>
+                                        <p:tgtEl>
+                                          <p:spTgt spid="5"/>
+                                        </p:tgtEl>
+                                      </p:cBhvr>
+                                    </p:animEffect>
+                                  </p:childTnLst>
+                                </p:cTn>
+                              </p:par>
+                              <p:par>
+                                <p:cTn id="8" presetID="10" presetClass="entr" presetSubtype="0" fill="hold" grpId="0" nodeType="withEffect">
+                                  <p:stCondLst>
+                                    <p:cond delay="0"/>
+                                  </p:stCondLst>
+                                  <p:childTnLst>
+                                    <p:set>
+                                      <p:cBhvr>
+                                        <p:cTn id="9" dur="1" fill="hold">
+                                          <p:stCondLst>
+                                            <p:cond delay="0"/>
+                                          </p:stCondLst>
+                                        </p:cTn>
+                                        <p:tgtEl>
+                                          <p:spTgt spid="8"/>
+                                        </p:tgtEl>
+                                        <p:attrNameLst>
+                                          <p:attrName>style.visibility</p:attrName>
+                                        </p:attrNameLst>
+                                      </p:cBhvr>
+                                      <p:to>
+                                        <p:strVal val="visible"/>
+                                      </p:to>
+                                    </p:set>
+                                    <p:animEffect transition="in" filter="fade">
+                                      <p:cBhvr>
+                                        <p:cTn id="10" dur="500"/>
+                                        <p:tgtEl>
+                                          <p:spTgt spid="8"/>
+                                        </p:tgtEl>
+                                      </p:cBhvr>
+                                    </p:animEffect>
+                                  </p:childTnLst>
+                                </p:cTn>
+                              </p:par>
+                            </p:childTnLst>
+                          </p:cTn>
+                        </p:par>
+                      </p:childTnLst>
+                    </p:cTn>
+                  </p:par>
+                  <p:par>
+                    <p:cTn id="11" fill="hold">
+                      <p:stCondLst>
+                        <p:cond delay="indefinite"/>
+                      </p:stCondLst>
+                      <p:childTnLst>
+                        <p:par>
+                          <p:cTn id="12" fill="hold">
+                            <p:stCondLst>
+                              <p:cond delay="0"/>
+                            </p:stCondLst>
+                            <p:childTnLst>
+                              <p:par>
+                                <p:cTn id="13" presetID="10" presetClass="entr" presetSubtype="0" fill="hold" nodeType="clickEffect">
+                                  <p:stCondLst>
+                                    <p:cond delay="0"/>
+                                  </p:stCondLst>
+                                  <p:childTnLst>
+                                    <p:set>
+                                      <p:cBhvr>
+                                        <p:cTn id="14" dur="1" fill="hold">
+                                          <p:stCondLst>
+                                            <p:cond delay="0"/>
+                                          </p:stCondLst>
+                                        </p:cTn>
+                                        <p:tgtEl>
+                                          <p:spTgt spid="6"/>
+                                        </p:tgtEl>
+                                        <p:attrNameLst>
+                                          <p:attrName>style.visibility</p:attrName>
+                                        </p:attrNameLst>
+                                      </p:cBhvr>
+                                      <p:to>
+                                        <p:strVal val="visible"/>
+                                      </p:to>
+                                    </p:set>
+                                    <p:animEffect transition="in" filter="fade">
+                                      <p:cBhvr>
+                                        <p:cTn id="15" dur="500"/>
+                                        <p:tgtEl>
+                                          <p:spTgt spid="6"/>
+                                        </p:tgtEl>
+                                      </p:cBhvr>
+                                    </p:animEffect>
+                                  </p:childTnLst>
+                                </p:cTn>
+                              </p:par>
+                              <p:par>
+                                <p:cTn id="16" presetID="10" presetClass="entr" presetSubtype="0" fill="hold" grpId="0" nodeType="withEffect">
+                                  <p:stCondLst>
+                                    <p:cond delay="0"/>
+                                  </p:stCondLst>
+                                  <p:childTnLst>
+                                    <p:set>
+                                      <p:cBhvr>
+                                        <p:cTn id="17" dur="1" fill="hold">
+                                          <p:stCondLst>
+                                            <p:cond delay="0"/>
+                                          </p:stCondLst>
+                                        </p:cTn>
+                                        <p:tgtEl>
+                                          <p:spTgt spid="10"/>
+                                        </p:tgtEl>
+                                        <p:attrNameLst>
+                                          <p:attrName>style.visibility</p:attrName>
+                                        </p:attrNameLst>
+                                      </p:cBhvr>
+                                      <p:to>
+                                        <p:strVal val="visible"/>
+                                      </p:to>
+                                    </p:set>
+                                    <p:animEffect transition="in" filter="fade">
+                                      <p:cBhvr>
+                                        <p:cTn id="18" dur="500"/>
+                                        <p:tgtEl>
+                                          <p:spTgt spid="10"/>
+                                        </p:tgtEl>
+                                      </p:cBhvr>
+                                    </p:animEffect>
+                                  </p:childTnLst>
+                                </p:cTn>
+                              </p:par>
+                            </p:childTnLst>
+                          </p:cTn>
+                        </p:par>
+                      </p:childTnLst>
+                    </p:cTn>
+                  </p:par>
+                  <p:par>
+                    <p:cTn id="19" fill="hold">
+                      <p:stCondLst>
+                        <p:cond delay="indefinite"/>
+                      </p:stCondLst>
+                      <p:childTnLst>
+                        <p:par>
+                          <p:cTn id="20" fill="hold">
+                            <p:stCondLst>
+                              <p:cond delay="0"/>
+                            </p:stCondLst>
+                            <p:childTnLst>
+                              <p:par>
+                                <p:cTn id="21" presetID="10" presetClass="entr" presetSubtype="0" fill="hold" nodeType="clickEffect">
+                                  <p:stCondLst>
+                                    <p:cond delay="0"/>
+                                  </p:stCondLst>
+                                  <p:childTnLst>
+                                    <p:set>
+                                      <p:cBhvr>
+                                        <p:cTn id="22" dur="1" fill="hold">
+                                          <p:stCondLst>
+                                            <p:cond delay="0"/>
+                                          </p:stCondLst>
+                                        </p:cTn>
+                                        <p:tgtEl>
+                                          <p:spTgt spid="7"/>
+                                        </p:tgtEl>
+                                        <p:attrNameLst>
+                                          <p:attrName>style.visibility</p:attrName>
+                                        </p:attrNameLst>
+                                      </p:cBhvr>
+                                      <p:to>
+                                        <p:strVal val="visible"/>
+                                      </p:to>
+                                    </p:set>
+                                    <p:animEffect transition="in" filter="fade">
+                                      <p:cBhvr>
+                                        <p:cTn id="23" dur="500"/>
+                                        <p:tgtEl>
+                                          <p:spTgt spid="7"/>
+                                        </p:tgtEl>
+                                      </p:cBhvr>
+                                    </p:animEffect>
+                                  </p:childTnLst>
+                                </p:cTn>
+                              </p:par>
+                              <p:par>
+                                <p:cTn id="24" presetID="10" presetClass="entr" presetSubtype="0" fill="hold" grpId="0" nodeType="withEffect">
+                                  <p:stCondLst>
+                                    <p:cond delay="0"/>
+                                  </p:stCondLst>
+                                  <p:childTnLst>
+                                    <p:set>
+                                      <p:cBhvr>
+                                        <p:cTn id="25" dur="1" fill="hold">
+                                          <p:stCondLst>
+                                            <p:cond delay="0"/>
+                                          </p:stCondLst>
+                                        </p:cTn>
+                                        <p:tgtEl>
+                                          <p:spTgt spid="11"/>
+                                        </p:tgtEl>
+                                        <p:attrNameLst>
+                                          <p:attrName>style.visibility</p:attrName>
+                                        </p:attrNameLst>
+                                      </p:cBhvr>
+                                      <p:to>
+                                        <p:strVal val="visible"/>
+                                      </p:to>
+                                    </p:set>
+                                    <p:animEffect transition="in" filter="fade">
+                                      <p:cBhvr>
+                                        <p:cTn id="26" dur="500"/>
+                                        <p:tgtEl>
+                                          <p:spTgt spid="11"/>
+                                        </p:tgtEl>
+                                      </p:cBhvr>
+                                    </p:animEffect>
+                                  </p:childTnLst>
+                                </p:cTn>
+                              </p:par>
+                            </p:childTnLst>
+                          </p:cTn>
+                        </p:par>
+                      </p:childTnLst>
+                    </p:cTn>
+                  </p:par>
+                </p:childTnLst>
+              </p:cTn>
+              <p:prevCondLst>
+                <p:cond evt="onPrev" delay="0">
+                  <p:tgtEl>
+                    <p:sldTgt/>
+                  </p:tgtEl>
+                </p:cond>
+              </p:prevCondLst>
+              <p:nextCondLst>
+                <p:cond evt="onNext" delay="0">
+                  <p:tgtEl>
+                    <p:sldTgt/>
+                  </p:tgtEl>
+                </p:cond>
+              </p:nextCondLst>
+            </p:seq>
+          </p:childTnLst>
+        </p:cTn>
+      </p:par>
+    </p:tnLst>
+    <p:bldLst>
+      <p:bldP spid="8" grpId="0"/>
+      <p:bldP spid="10" grpId="0"/>
+      <p:bldP spid="11" grpId="0"/>
+    </p:bldLst>
+  </p:timing>
+</p:sld>
+</file>
+
+<file path=ppt/slides/slide4.xml><?xml version="1.0" encoding="utf-8"?>
+<p:sld xmlns:a="http://schemas.openxmlformats.org/drawingml/2006/main" xmlns:r="http://schemas.openxmlformats.org/officeDocument/2006/relationships" xmlns:p="http://schemas.openxmlformats.org/presentationml/2006/main">
+  <p:cSld>
+    <p:spTree>
+      <p:nvGrpSpPr>
+        <p:cNvPr id="1" name=""/>
+        <p:cNvGrpSpPr/>
+        <p:nvPr/>
+      </p:nvGrpSpPr>
+      <p:grpSpPr>
+        <a:xfrm>
+          <a:off x="0" y="0"/>
+          <a:ext cx="0" cy="0"/>
+          <a:chOff x="0" y="0"/>
+          <a:chExt cx="0" cy="0"/>
+        </a:xfrm>
+      </p:grpSpPr>
+      <p:sp>
+        <p:nvSpPr>
+          <p:cNvPr id="2" name="Titel 1">
+            <a:extLst>
+              <a:ext uri="{FF2B5EF4-FFF2-40B4-BE49-F238E27FC236}">
+                <a16:creationId xmlns:a16="http://schemas.microsoft.com/office/drawing/2014/main" id="{D9260429-E447-4A3E-A44E-582F89307C06}"/>
+              </a:ext>
+            </a:extLst>
+          </p:cNvPr>
+          <p:cNvSpPr>
+            <a:spLocks noGrp="1"/>
+          </p:cNvSpPr>
+          <p:nvPr>
+            <p:ph type="title"/>
+          </p:nvPr>
+        </p:nvSpPr>
+        <p:spPr/>
+        <p:txBody>
+          <a:bodyPr/>
+          <a:lstStyle/>
+          <a:p>
+            <a:r>
+              <a:rPr lang="nl-BE" dirty="0"/>
+              <a:t>Uitkomsten en gebeurtenissen</a:t>
+            </a:r>
+          </a:p>
+        </p:txBody>
+      </p:sp>
+      <p:sp>
+        <p:nvSpPr>
+          <p:cNvPr id="3" name="Tijdelijke aanduiding voor inhoud 2">
+            <a:extLst>
+              <a:ext uri="{FF2B5EF4-FFF2-40B4-BE49-F238E27FC236}">
+                <a16:creationId xmlns:a16="http://schemas.microsoft.com/office/drawing/2014/main" id="{38DB07AD-555B-48EB-9F25-C0B2AC6DE1BD}"/>
+              </a:ext>
+            </a:extLst>
+          </p:cNvPr>
+          <p:cNvSpPr>
+            <a:spLocks noGrp="1"/>
+          </p:cNvSpPr>
+          <p:nvPr>
+            <p:ph idx="1"/>
+          </p:nvPr>
+        </p:nvSpPr>
+        <p:spPr/>
+        <p:txBody>
+          <a:bodyPr/>
+          <a:lstStyle/>
+          <a:p>
+            <a:r>
+              <a:rPr lang="nl-BE" dirty="0"/>
+              <a:t>Verzameling alle mogelijke uitkomsten </a:t>
+            </a:r>
+            <a:r>
+              <a:rPr lang="nl-BE" dirty="0">
+                <a:sym typeface="Wingdings" panose="05000000000000000000" pitchFamily="2" charset="2"/>
+              </a:rPr>
+              <a:t> uitkomstenverzameling</a:t>
+            </a:r>
+            <a:br>
+              <a:rPr lang="nl-BE" dirty="0">
+                <a:sym typeface="Wingdings" panose="05000000000000000000" pitchFamily="2" charset="2"/>
+              </a:rPr>
+            </a:br>
+            <a:r>
+              <a:rPr lang="nl-BE" dirty="0">
+                <a:sym typeface="Wingdings" panose="05000000000000000000" pitchFamily="2" charset="2"/>
+              </a:rPr>
+              <a:t>Bv: dobbelsteen  { 1,2,3,4,5,6 }</a:t>
+            </a:r>
+          </a:p>
+          <a:p>
+            <a:r>
+              <a:rPr lang="nl-BE" dirty="0">
+                <a:sym typeface="Wingdings" panose="05000000000000000000" pitchFamily="2" charset="2"/>
+              </a:rPr>
+              <a:t>Deelverzamelingen</a:t>
+            </a:r>
+            <a:br>
+              <a:rPr lang="nl-BE" dirty="0">
+                <a:sym typeface="Wingdings" panose="05000000000000000000" pitchFamily="2" charset="2"/>
+              </a:rPr>
+            </a:br>
+            <a:r>
+              <a:rPr lang="nl-BE" dirty="0">
+                <a:sym typeface="Wingdings" panose="05000000000000000000" pitchFamily="2" charset="2"/>
+              </a:rPr>
+              <a:t>Gekenmerkt door hoofdletter</a:t>
+            </a:r>
+          </a:p>
+          <a:p>
+            <a:r>
+              <a:rPr lang="nl-BE" dirty="0">
+                <a:sym typeface="Wingdings" panose="05000000000000000000" pitchFamily="2" charset="2"/>
+              </a:rPr>
+              <a:t>Notatie  { ..,..,.. }</a:t>
+            </a:r>
+          </a:p>
+        </p:txBody>
+      </p:sp>
+    </p:spTree>
+    <p:extLst>
+      <p:ext uri="{BB962C8B-B14F-4D97-AF65-F5344CB8AC3E}">
+        <p14:creationId xmlns:p14="http://schemas.microsoft.com/office/powerpoint/2010/main" val="3584748970"/>
+      </p:ext>
+    </p:extLst>
+  </p:cSld>
+  <p:clrMapOvr>
+    <a:masterClrMapping/>
+  </p:clrMapOvr>
+</p:sld>
+</file>
+
+<file path=ppt/slides/slide5.xml><?xml version="1.0" encoding="utf-8"?>
+<p:sld xmlns:a="http://schemas.openxmlformats.org/drawingml/2006/main" xmlns:r="http://schemas.openxmlformats.org/officeDocument/2006/relationships" xmlns:p="http://schemas.openxmlformats.org/presentationml/2006/main">
+  <p:cSld>
+    <p:spTree>
+      <p:nvGrpSpPr>
+        <p:cNvPr id="1" name=""/>
+        <p:cNvGrpSpPr/>
+        <p:nvPr/>
+      </p:nvGrpSpPr>
+      <p:grpSpPr>
+        <a:xfrm>
+          <a:off x="0" y="0"/>
+          <a:ext cx="0" cy="0"/>
+          <a:chOff x="0" y="0"/>
+          <a:chExt cx="0" cy="0"/>
+        </a:xfrm>
+      </p:grpSpPr>
+      <p:sp>
+        <p:nvSpPr>
+          <p:cNvPr id="2" name="Titel 1">
+            <a:extLst>
+              <a:ext uri="{FF2B5EF4-FFF2-40B4-BE49-F238E27FC236}">
+                <a16:creationId xmlns:a16="http://schemas.microsoft.com/office/drawing/2014/main" id="{EFCC0E99-8727-411B-B85C-5256AC5BA271}"/>
+              </a:ext>
+            </a:extLst>
+          </p:cNvPr>
+          <p:cNvSpPr>
+            <a:spLocks noGrp="1"/>
+          </p:cNvSpPr>
+          <p:nvPr>
+            <p:ph type="title"/>
+          </p:nvPr>
+        </p:nvSpPr>
+        <p:spPr/>
+        <p:txBody>
+          <a:bodyPr/>
+          <a:lstStyle/>
+          <a:p>
+            <a:r>
+              <a:rPr lang="nl-BE" dirty="0"/>
+              <a:t>Werken met gebeurtenissen</a:t>
+            </a:r>
+          </a:p>
+        </p:txBody>
+      </p:sp>
+      <p:sp>
+        <p:nvSpPr>
+          <p:cNvPr id="3" name="Tijdelijke aanduiding voor inhoud 2">
+            <a:extLst>
+              <a:ext uri="{FF2B5EF4-FFF2-40B4-BE49-F238E27FC236}">
+                <a16:creationId xmlns:a16="http://schemas.microsoft.com/office/drawing/2014/main" id="{3AC3F139-0973-460C-BF54-29B83B6DCD0A}"/>
+              </a:ext>
+            </a:extLst>
+          </p:cNvPr>
+          <p:cNvSpPr>
+            <a:spLocks noGrp="1"/>
+          </p:cNvSpPr>
+          <p:nvPr>
+            <p:ph idx="1"/>
+          </p:nvPr>
+        </p:nvSpPr>
+        <p:spPr/>
+        <p:txBody>
+          <a:bodyPr/>
+          <a:lstStyle/>
+          <a:p>
+            <a:r>
+              <a:rPr lang="nl-BE" dirty="0"/>
+              <a:t>Complement</a:t>
+            </a:r>
+          </a:p>
+          <a:p>
+            <a:r>
+              <a:rPr lang="nl-BE" dirty="0"/>
+              <a:t>Disjunct</a:t>
+            </a:r>
+          </a:p>
+          <a:p>
+            <a:r>
+              <a:rPr lang="nl-BE" dirty="0"/>
+              <a:t>Vereniging</a:t>
+            </a:r>
+          </a:p>
+          <a:p>
+            <a:r>
+              <a:rPr lang="nl-BE" dirty="0"/>
+              <a:t>Doorsnede</a:t>
+            </a:r>
+          </a:p>
+        </p:txBody>
+      </p:sp>
+    </p:spTree>
+    <p:extLst>
+      <p:ext uri="{BB962C8B-B14F-4D97-AF65-F5344CB8AC3E}">
+        <p14:creationId xmlns:p14="http://schemas.microsoft.com/office/powerpoint/2010/main" val="939694718"/>
+      </p:ext>
+    </p:extLst>
+  </p:cSld>
+  <p:clrMapOvr>
+    <a:masterClrMapping/>
+  </p:clrMapOvr>
+</p:sld>
+</file>
+
+<file path=ppt/slides/slide6.xml><?xml version="1.0" encoding="utf-8"?>
+<p:sld xmlns:a="http://schemas.openxmlformats.org/drawingml/2006/main" xmlns:r="http://schemas.openxmlformats.org/officeDocument/2006/relationships" xmlns:p="http://schemas.openxmlformats.org/presentationml/2006/main">
+  <p:cSld>
+    <p:spTree>
+      <p:nvGrpSpPr>
+        <p:cNvPr id="1" name=""/>
+        <p:cNvGrpSpPr/>
+        <p:nvPr/>
+      </p:nvGrpSpPr>
+      <p:grpSpPr>
+        <a:xfrm>
+          <a:off x="0" y="0"/>
+          <a:ext cx="0" cy="0"/>
+          <a:chOff x="0" y="0"/>
+          <a:chExt cx="0" cy="0"/>
+        </a:xfrm>
+      </p:grpSpPr>
+      <p:sp>
+        <p:nvSpPr>
+          <p:cNvPr id="2" name="Titel 1">
+            <a:extLst>
+              <a:ext uri="{FF2B5EF4-FFF2-40B4-BE49-F238E27FC236}">
+                <a16:creationId xmlns:a16="http://schemas.microsoft.com/office/drawing/2014/main" id="{35A427C2-EBDD-4C69-B526-C56345D1CA84}"/>
+              </a:ext>
+            </a:extLst>
+          </p:cNvPr>
+          <p:cNvSpPr>
+            <a:spLocks noGrp="1"/>
+          </p:cNvSpPr>
+          <p:nvPr>
+            <p:ph type="title"/>
+          </p:nvPr>
+        </p:nvSpPr>
+        <p:spPr/>
+        <p:txBody>
+          <a:bodyPr/>
+          <a:lstStyle/>
+          <a:p>
+            <a:r>
+              <a:rPr lang="nl-BE" dirty="0"/>
+              <a:t>Complement van een gebeurtenis</a:t>
+            </a:r>
+          </a:p>
+        </p:txBody>
+      </p:sp>
+      <mc:AlternateContent xmlns:mc="http://schemas.openxmlformats.org/markup-compatibility/2006">
+        <mc:Choice xmlns:a14="http://schemas.microsoft.com/office/drawing/2010/main" Requires="a14">
+          <p:sp>
+            <p:nvSpPr>
+              <p:cNvPr id="3" name="Tijdelijke aanduiding voor inhoud 2">
+                <a:extLst>
+                  <a:ext uri="{FF2B5EF4-FFF2-40B4-BE49-F238E27FC236}">
+                    <a16:creationId xmlns:a16="http://schemas.microsoft.com/office/drawing/2014/main" id="{ED55068E-B70E-4322-B379-E47C4A383B83}"/>
+                  </a:ext>
+                </a:extLst>
+              </p:cNvPr>
+              <p:cNvSpPr>
+                <a:spLocks noGrp="1"/>
+              </p:cNvSpPr>
+              <p:nvPr>
+                <p:ph idx="1"/>
+              </p:nvPr>
+            </p:nvSpPr>
+            <p:spPr/>
+            <p:txBody>
+              <a:bodyPr/>
+              <a:lstStyle/>
+              <a:p>
+                <a:r>
+                  <a:rPr lang="nl-BE" dirty="0"/>
+                  <a:t>Enkel wat je interesseert overhouden</a:t>
+                </a:r>
+              </a:p>
+              <a:p>
+                <a:r>
+                  <a:rPr lang="nl-BE" dirty="0"/>
+                  <a:t>Complement is het geen wat je niet interesseert</a:t>
+                </a:r>
+              </a:p>
+              <a:p>
+                <a:r>
+                  <a:rPr lang="nl-BE" dirty="0"/>
+                  <a:t>Schrijfwijze: </a:t>
+                </a:r>
+                <a14:m>
+                  <m:oMath xmlns:m="http://schemas.openxmlformats.org/officeDocument/2006/math">
+                    <m:sSup>
+                      <m:sSupPr>
+                        <m:ctrlPr>
+                          <a:rPr lang="nl-BE" i="1" smtClean="0">
+                            <a:latin typeface="Cambria Math" panose="02040503050406030204" pitchFamily="18" charset="0"/>
+                          </a:rPr>
+                        </m:ctrlPr>
+                      </m:sSupPr>
+                      <m:e>
+                        <m:r>
+                          <a:rPr lang="nl-BE" b="0" i="1" smtClean="0">
+                            <a:latin typeface="Cambria Math" panose="02040503050406030204" pitchFamily="18" charset="0"/>
+                          </a:rPr>
+                          <m:t>𝐴</m:t>
+                        </m:r>
+                      </m:e>
+                      <m:sup>
+                        <m:r>
+                          <a:rPr lang="nl-BE" b="0" i="1" smtClean="0">
+                            <a:latin typeface="Cambria Math" panose="02040503050406030204" pitchFamily="18" charset="0"/>
+                          </a:rPr>
+                          <m:t>𝐶</m:t>
+                        </m:r>
+                      </m:sup>
+                    </m:sSup>
+                  </m:oMath>
+                </a14:m>
+                <a:endParaRPr lang="nl-BE" dirty="0"/>
+              </a:p>
+              <a:p>
+                <a:r>
+                  <a:rPr lang="nl-BE" dirty="0"/>
+                  <a:t>Bv: dobbelsteen even getal gooien is verzameling A,</a:t>
+                </a:r>
+                <a:br>
+                  <a:rPr lang="nl-BE" dirty="0"/>
+                </a:br>
+                <a:r>
+                  <a:rPr lang="nl-BE" dirty="0"/>
+                  <a:t>en alle getallen is U, dan is </a:t>
+                </a:r>
+                <a14:m>
+                  <m:oMath xmlns:m="http://schemas.openxmlformats.org/officeDocument/2006/math">
+                    <m:sSup>
+                      <m:sSupPr>
+                        <m:ctrlPr>
+                          <a:rPr lang="nl-BE" i="1" smtClean="0">
+                            <a:latin typeface="Cambria Math" panose="02040503050406030204" pitchFamily="18" charset="0"/>
+                          </a:rPr>
+                        </m:ctrlPr>
+                      </m:sSupPr>
+                      <m:e>
+                        <m:r>
+                          <a:rPr lang="nl-BE" b="0" i="1" smtClean="0">
+                            <a:latin typeface="Cambria Math" panose="02040503050406030204" pitchFamily="18" charset="0"/>
+                          </a:rPr>
+                          <m:t>𝐴</m:t>
+                        </m:r>
+                      </m:e>
+                      <m:sup>
+                        <m:r>
+                          <a:rPr lang="nl-BE" b="0" i="1" smtClean="0">
+                            <a:latin typeface="Cambria Math" panose="02040503050406030204" pitchFamily="18" charset="0"/>
+                          </a:rPr>
+                          <m:t>𝐶</m:t>
+                        </m:r>
+                      </m:sup>
+                    </m:sSup>
+                    <m:r>
+                      <a:rPr lang="nl-BE" b="0" i="1" smtClean="0">
+                        <a:latin typeface="Cambria Math" panose="02040503050406030204" pitchFamily="18" charset="0"/>
+                      </a:rPr>
+                      <m:t>={ 1,3,5 }</m:t>
+                    </m:r>
+                  </m:oMath>
+                </a14:m>
+                <a:r>
+                  <a:rPr lang="nl-BE" dirty="0"/>
+                  <a:t> en </a:t>
+                </a:r>
+                <a14:m>
+                  <m:oMath xmlns:m="http://schemas.openxmlformats.org/officeDocument/2006/math">
+                    <m:r>
+                      <a:rPr lang="nl-BE" b="0" i="1" smtClean="0">
+                        <a:latin typeface="Cambria Math" panose="02040503050406030204" pitchFamily="18" charset="0"/>
+                      </a:rPr>
+                      <m:t>𝐴</m:t>
+                    </m:r>
+                    <m:r>
+                      <a:rPr lang="nl-BE" b="0" i="1" smtClean="0">
+                        <a:latin typeface="Cambria Math" panose="02040503050406030204" pitchFamily="18" charset="0"/>
+                      </a:rPr>
+                      <m:t>={ 2,4,6 }</m:t>
+                    </m:r>
+                  </m:oMath>
+                </a14:m>
+                <a:endParaRPr lang="nl-BE" dirty="0"/>
+              </a:p>
+              <a:p>
+                <a:endParaRPr lang="nl-BE" dirty="0"/>
+              </a:p>
+            </p:txBody>
+          </p:sp>
+        </mc:Choice>
+        <mc:Fallback>
+          <p:sp>
+            <p:nvSpPr>
+              <p:cNvPr id="3" name="Tijdelijke aanduiding voor inhoud 2">
+                <a:extLst>
+                  <a:ext uri="{FF2B5EF4-FFF2-40B4-BE49-F238E27FC236}">
+                    <a16:creationId xmlns:a16="http://schemas.microsoft.com/office/drawing/2014/main" id="{ED55068E-B70E-4322-B379-E47C4A383B83}"/>
+                  </a:ext>
+                </a:extLst>
+              </p:cNvPr>
+              <p:cNvSpPr>
+                <a:spLocks noGrp="1" noRot="1" noChangeAspect="1" noMove="1" noResize="1" noEditPoints="1" noAdjustHandles="1" noChangeArrowheads="1" noChangeShapeType="1" noTextEdit="1"/>
+              </p:cNvSpPr>
+              <p:nvPr>
+                <p:ph idx="1"/>
+              </p:nvPr>
+            </p:nvSpPr>
+            <p:spPr>
+              <a:blipFill>
+                <a:blip r:embed="rId2"/>
+                <a:stretch>
+                  <a:fillRect/>
+                </a:stretch>
+              </a:blipFill>
+            </p:spPr>
+            <p:txBody>
+              <a:bodyPr/>
+              <a:lstStyle/>
+              <a:p>
+                <a:r>
+                  <a:rPr lang="nl-BE">
+                    <a:noFill/>
+                  </a:rPr>
+                  <a:t> </a:t>
+                </a:r>
+              </a:p>
+            </p:txBody>
+          </p:sp>
+        </mc:Fallback>
+      </mc:AlternateContent>
+    </p:spTree>
+    <p:extLst>
+      <p:ext uri="{BB962C8B-B14F-4D97-AF65-F5344CB8AC3E}">
+        <p14:creationId xmlns:p14="http://schemas.microsoft.com/office/powerpoint/2010/main" val="847777397"/>
+      </p:ext>
+    </p:extLst>
+  </p:cSld>
+  <p:clrMapOvr>
+    <a:masterClrMapping/>
+  </p:clrMapOvr>
+</p:sld>
+</file>
+
+<file path=ppt/slides/slide7.xml><?xml version="1.0" encoding="utf-8"?>
+<p:sld xmlns:a="http://schemas.openxmlformats.org/drawingml/2006/main" xmlns:r="http://schemas.openxmlformats.org/officeDocument/2006/relationships" xmlns:p="http://schemas.openxmlformats.org/presentationml/2006/main">
+  <p:cSld>
+    <p:spTree>
+      <p:nvGrpSpPr>
+        <p:cNvPr id="1" name=""/>
+        <p:cNvGrpSpPr/>
+        <p:nvPr/>
+      </p:nvGrpSpPr>
+      <p:grpSpPr>
+        <a:xfrm>
+          <a:off x="0" y="0"/>
+          <a:ext cx="0" cy="0"/>
+          <a:chOff x="0" y="0"/>
+          <a:chExt cx="0" cy="0"/>
+        </a:xfrm>
+      </p:grpSpPr>
+      <p:sp>
+        <p:nvSpPr>
+          <p:cNvPr id="2" name="Titel 1">
+            <a:extLst>
+              <a:ext uri="{FF2B5EF4-FFF2-40B4-BE49-F238E27FC236}">
+                <a16:creationId xmlns:a16="http://schemas.microsoft.com/office/drawing/2014/main" id="{2EBEDE1F-FE90-471F-B419-036513A258D0}"/>
+              </a:ext>
+            </a:extLst>
+          </p:cNvPr>
+          <p:cNvSpPr>
+            <a:spLocks noGrp="1"/>
+          </p:cNvSpPr>
+          <p:nvPr>
+            <p:ph type="title"/>
+          </p:nvPr>
+        </p:nvSpPr>
+        <p:spPr/>
+        <p:txBody>
+          <a:bodyPr/>
+          <a:lstStyle/>
+          <a:p>
+            <a:r>
+              <a:rPr lang="nl-BE" dirty="0"/>
+              <a:t>Disjuncte gebeurtenissen</a:t>
+            </a:r>
+          </a:p>
+        </p:txBody>
+      </p:sp>
+      <p:sp>
+        <p:nvSpPr>
+          <p:cNvPr id="3" name="Tijdelijke aanduiding voor inhoud 2">
+            <a:extLst>
+              <a:ext uri="{FF2B5EF4-FFF2-40B4-BE49-F238E27FC236}">
+                <a16:creationId xmlns:a16="http://schemas.microsoft.com/office/drawing/2014/main" id="{FA6BC0B3-1A02-40E9-A357-D164D333C93B}"/>
+              </a:ext>
+            </a:extLst>
+          </p:cNvPr>
+          <p:cNvSpPr>
+            <a:spLocks noGrp="1"/>
+          </p:cNvSpPr>
+          <p:nvPr>
+            <p:ph idx="1"/>
+          </p:nvPr>
+        </p:nvSpPr>
+        <p:spPr/>
+        <p:txBody>
+          <a:bodyPr/>
+          <a:lstStyle/>
+          <a:p>
+            <a:r>
+              <a:rPr lang="nl-BE" dirty="0"/>
+              <a:t>Twee gebeurtenissen die niks</a:t>
+            </a:r>
+            <a:br>
+              <a:rPr lang="nl-BE" dirty="0"/>
+            </a:br>
+            <a:r>
+              <a:rPr lang="nl-BE" dirty="0"/>
+              <a:t>met elkaar te maken hebben</a:t>
+            </a:r>
+          </a:p>
+          <a:p>
+            <a:r>
+              <a:rPr lang="nl-BE" dirty="0"/>
+              <a:t>Bv: U = { 1,2,3,4,5,6 }</a:t>
+            </a:r>
+            <a:br>
+              <a:rPr lang="nl-BE" dirty="0"/>
+            </a:br>
+            <a:r>
+              <a:rPr lang="nl-BE" dirty="0">
+                <a:sym typeface="Wingdings" panose="05000000000000000000" pitchFamily="2" charset="2"/>
+              </a:rPr>
+              <a:t> verzameling even getallen disjunct aan verzameling oneven getallen</a:t>
+            </a:r>
+            <a:br>
+              <a:rPr lang="nl-BE" dirty="0">
+                <a:sym typeface="Wingdings" panose="05000000000000000000" pitchFamily="2" charset="2"/>
+              </a:rPr>
+            </a:br>
+            <a:r>
+              <a:rPr lang="nl-BE" dirty="0">
+                <a:sym typeface="Wingdings" panose="05000000000000000000" pitchFamily="2" charset="2"/>
+              </a:rPr>
+              <a:t>A = { 2,4,6 }</a:t>
+            </a:r>
+            <a:br>
+              <a:rPr lang="nl-BE" dirty="0">
+                <a:sym typeface="Wingdings" panose="05000000000000000000" pitchFamily="2" charset="2"/>
+              </a:rPr>
+            </a:br>
+            <a:r>
+              <a:rPr lang="nl-BE" dirty="0">
+                <a:sym typeface="Wingdings" panose="05000000000000000000" pitchFamily="2" charset="2"/>
+              </a:rPr>
+              <a:t>B = { 1,3,5 }</a:t>
+            </a:r>
+            <a:endParaRPr lang="nl-BE" dirty="0"/>
+          </a:p>
+        </p:txBody>
+      </p:sp>
+    </p:spTree>
+    <p:extLst>
+      <p:ext uri="{BB962C8B-B14F-4D97-AF65-F5344CB8AC3E}">
+        <p14:creationId xmlns:p14="http://schemas.microsoft.com/office/powerpoint/2010/main" val="1276369512"/>
+      </p:ext>
+    </p:extLst>
+  </p:cSld>
+  <p:clrMapOvr>
+    <a:masterClrMapping/>
+  </p:clrMapOvr>
+</p:sld>
+</file>
+
+<file path=ppt/slides/slide8.xml><?xml version="1.0" encoding="utf-8"?>
+<p:sld xmlns:a="http://schemas.openxmlformats.org/drawingml/2006/main" xmlns:r="http://schemas.openxmlformats.org/officeDocument/2006/relationships" xmlns:p="http://schemas.openxmlformats.org/presentationml/2006/main">
+  <p:cSld>
+    <p:spTree>
+      <p:nvGrpSpPr>
+        <p:cNvPr id="1" name=""/>
+        <p:cNvGrpSpPr/>
+        <p:nvPr/>
+      </p:nvGrpSpPr>
+      <p:grpSpPr>
+        <a:xfrm>
+          <a:off x="0" y="0"/>
+          <a:ext cx="0" cy="0"/>
+          <a:chOff x="0" y="0"/>
+          <a:chExt cx="0" cy="0"/>
+        </a:xfrm>
+      </p:grpSpPr>
+      <p:sp>
+        <p:nvSpPr>
+          <p:cNvPr id="2" name="Titel 1">
+            <a:extLst>
+              <a:ext uri="{FF2B5EF4-FFF2-40B4-BE49-F238E27FC236}">
+                <a16:creationId xmlns:a16="http://schemas.microsoft.com/office/drawing/2014/main" id="{BE22089B-7E40-4A25-878E-5DA5D8C23CAF}"/>
+              </a:ext>
+            </a:extLst>
+          </p:cNvPr>
+          <p:cNvSpPr>
+            <a:spLocks noGrp="1"/>
+          </p:cNvSpPr>
+          <p:nvPr>
+            <p:ph type="title"/>
+          </p:nvPr>
+        </p:nvSpPr>
+        <p:spPr/>
+        <p:txBody>
+          <a:bodyPr/>
+          <a:lstStyle/>
+          <a:p>
+            <a:r>
+              <a:rPr lang="nl-BE" dirty="0"/>
+              <a:t>Vereniging van gebeurtenissen</a:t>
+            </a:r>
+          </a:p>
+        </p:txBody>
+      </p:sp>
+      <p:sp>
+        <p:nvSpPr>
+          <p:cNvPr id="3" name="Tijdelijke aanduiding voor inhoud 2">
+            <a:extLst>
+              <a:ext uri="{FF2B5EF4-FFF2-40B4-BE49-F238E27FC236}">
+                <a16:creationId xmlns:a16="http://schemas.microsoft.com/office/drawing/2014/main" id="{6E07D58F-8E07-4ABF-8F2B-21C338B33D33}"/>
+              </a:ext>
+            </a:extLst>
+          </p:cNvPr>
+          <p:cNvSpPr>
+            <a:spLocks noGrp="1"/>
+          </p:cNvSpPr>
+          <p:nvPr>
+            <p:ph idx="1"/>
+          </p:nvPr>
+        </p:nvSpPr>
+        <p:spPr/>
+        <p:txBody>
+          <a:bodyPr/>
+          <a:lstStyle/>
+          <a:p>
+            <a:r>
+              <a:rPr lang="nl-BE" dirty="0"/>
+              <a:t>OF-relatie</a:t>
+            </a:r>
+          </a:p>
+          <a:p>
+            <a:r>
+              <a:rPr lang="nl-BE" dirty="0"/>
+              <a:t>Alle elementen samen nemen van</a:t>
+            </a:r>
+            <a:br>
+              <a:rPr lang="nl-BE" dirty="0"/>
+            </a:br>
+            <a:r>
+              <a:rPr lang="nl-BE" dirty="0"/>
+              <a:t>een verzameling, maar niet dubbel</a:t>
+            </a:r>
+          </a:p>
+          <a:p>
+            <a:r>
+              <a:rPr lang="nl-BE" dirty="0"/>
+              <a:t>Bv: A = { 2,4,6 } en B = { 3,4,5,6 }</a:t>
+            </a:r>
+            <a:br>
+              <a:rPr lang="nl-BE" dirty="0"/>
+            </a:br>
+            <a:r>
+              <a:rPr lang="nl-BE" dirty="0">
+                <a:sym typeface="Wingdings" panose="05000000000000000000" pitchFamily="2" charset="2"/>
+              </a:rPr>
+              <a:t> C = { 2,3,4,5,6 }</a:t>
+            </a:r>
+            <a:endParaRPr lang="nl-BE" dirty="0"/>
+          </a:p>
+        </p:txBody>
+      </p:sp>
+    </p:spTree>
+    <p:extLst>
+      <p:ext uri="{BB962C8B-B14F-4D97-AF65-F5344CB8AC3E}">
+        <p14:creationId xmlns:p14="http://schemas.microsoft.com/office/powerpoint/2010/main" val="2858103590"/>
+      </p:ext>
+    </p:extLst>
+  </p:cSld>
+  <p:clrMapOvr>
+    <a:masterClrMapping/>
+  </p:clrMapOvr>
+</p:sld>
+</file>
+
+<file path=ppt/slides/slide9.xml><?xml version="1.0" encoding="utf-8"?>
+<p:sld xmlns:a="http://schemas.openxmlformats.org/drawingml/2006/main" xmlns:r="http://schemas.openxmlformats.org/officeDocument/2006/relationships" xmlns:p="http://schemas.openxmlformats.org/presentationml/2006/main">
+  <p:cSld>
+    <p:spTree>
+      <p:nvGrpSpPr>
+        <p:cNvPr id="1" name=""/>
+        <p:cNvGrpSpPr/>
+        <p:nvPr/>
+      </p:nvGrpSpPr>
+      <p:grpSpPr>
+        <a:xfrm>
+          <a:off x="0" y="0"/>
+          <a:ext cx="0" cy="0"/>
+          <a:chOff x="0" y="0"/>
+          <a:chExt cx="0" cy="0"/>
+        </a:xfrm>
+      </p:grpSpPr>
+      <p:sp>
+        <p:nvSpPr>
+          <p:cNvPr id="2" name="Titel 1">
+            <a:extLst>
+              <a:ext uri="{FF2B5EF4-FFF2-40B4-BE49-F238E27FC236}">
+                <a16:creationId xmlns:a16="http://schemas.microsoft.com/office/drawing/2014/main" id="{BC85DD29-492F-4031-939A-3E420093E175}"/>
+              </a:ext>
+            </a:extLst>
+          </p:cNvPr>
+          <p:cNvSpPr>
+            <a:spLocks noGrp="1"/>
+          </p:cNvSpPr>
+          <p:nvPr>
+            <p:ph type="title"/>
+          </p:nvPr>
+        </p:nvSpPr>
+        <p:spPr/>
+        <p:txBody>
+          <a:bodyPr/>
+          <a:lstStyle/>
+          <a:p>
+            <a:r>
+              <a:rPr lang="nl-BE" dirty="0"/>
+              <a:t>Doorsnede van gebeurtenissen</a:t>
+            </a:r>
+          </a:p>
+        </p:txBody>
+      </p:sp>
+      <p:sp>
+        <p:nvSpPr>
+          <p:cNvPr id="3" name="Tijdelijke aanduiding voor inhoud 2">
+            <a:extLst>
+              <a:ext uri="{FF2B5EF4-FFF2-40B4-BE49-F238E27FC236}">
+                <a16:creationId xmlns:a16="http://schemas.microsoft.com/office/drawing/2014/main" id="{A94563E6-4E92-4899-B523-87439242DA05}"/>
+              </a:ext>
+            </a:extLst>
+          </p:cNvPr>
+          <p:cNvSpPr>
+            <a:spLocks noGrp="1"/>
+          </p:cNvSpPr>
+          <p:nvPr>
+            <p:ph idx="1"/>
+          </p:nvPr>
+        </p:nvSpPr>
+        <p:spPr/>
+        <p:txBody>
+          <a:bodyPr/>
+          <a:lstStyle/>
+          <a:p>
+            <a:r>
+              <a:rPr lang="nl-BE" dirty="0"/>
+              <a:t>EN-relatie</a:t>
+            </a:r>
+          </a:p>
+          <a:p>
+            <a:r>
+              <a:rPr lang="nl-BE" dirty="0"/>
+              <a:t>Alle elementen samen nemen uit</a:t>
+            </a:r>
+            <a:br>
+              <a:rPr lang="nl-BE" dirty="0"/>
+            </a:br>
+            <a:r>
+              <a:rPr lang="nl-BE" dirty="0"/>
+              <a:t>een verzameling, die aan een bepaalde</a:t>
+            </a:r>
+            <a:br>
+              <a:rPr lang="nl-BE" dirty="0"/>
+            </a:br>
+            <a:r>
+              <a:rPr lang="nl-BE" dirty="0"/>
+              <a:t>voorwaarde voldoet</a:t>
+            </a:r>
+          </a:p>
+          <a:p>
+            <a:r>
+              <a:rPr lang="nl-BE" dirty="0"/>
+              <a:t>Bv: A = { 2,4,6 } en B = { 3,4,5,6 }</a:t>
+            </a:r>
+            <a:br>
+              <a:rPr lang="nl-BE" dirty="0"/>
+            </a:br>
+            <a:r>
+              <a:rPr lang="nl-BE" dirty="0">
+                <a:sym typeface="Wingdings" panose="05000000000000000000" pitchFamily="2" charset="2"/>
+              </a:rPr>
+              <a:t> C = { 4,6 }</a:t>
+            </a:r>
+            <a:endParaRPr lang="nl-BE" dirty="0"/>
+          </a:p>
+          <a:p>
+            <a:endParaRPr lang="nl-BE" dirty="0"/>
+          </a:p>
+        </p:txBody>
+      </p:sp>
+    </p:spTree>
+    <p:extLst>
+      <p:ext uri="{BB962C8B-B14F-4D97-AF65-F5344CB8AC3E}">
+        <p14:creationId xmlns:p14="http://schemas.microsoft.com/office/powerpoint/2010/main" val="2313884509"/>
       </p:ext>
     </p:extLst>
   </p:cSld>

--- a/Kansrekenen (met Python).pptx
+++ b/Kansrekenen (met Python).pptx
@@ -112,6 +112,11 @@
       </a:defRPr>
     </a:lvl9pPr>
   </p:defaultTextStyle>
+  <p:extLst>
+    <p:ext uri="{EFAFB233-063F-42B5-8137-9DF3F51BA10A}">
+      <p15:sldGuideLst xmlns:p15="http://schemas.microsoft.com/office/powerpoint/2012/main"/>
+    </p:ext>
+  </p:extLst>
 </p:presentation>
 </file>
 
@@ -210,7 +215,7 @@
           <a:effectLst/>
           <a:extLst>
             <a:ext uri="{91240B29-F687-4f45-9708-019B960494DF}">
-              <a14:hiddenLine xmlns:a14="http://schemas.microsoft.com/office/drawing/2010/main" xmlns="" w="9525">
+              <a14:hiddenLine xmlns="" xmlns:a14="http://schemas.microsoft.com/office/drawing/2010/main" w="9525">
                 <a:solidFill>
                   <a:srgbClr val="000000"/>
                 </a:solidFill>
@@ -1732,7 +1737,7 @@
           <a:ln/>
           <a:extLst>
             <a:ext uri="{91240B29-F687-4f45-9708-019B960494DF}">
-              <a14:hiddenLine xmlns:a14="http://schemas.microsoft.com/office/drawing/2010/main" xmlns="" w="9525">
+              <a14:hiddenLine xmlns="" xmlns:a14="http://schemas.microsoft.com/office/drawing/2010/main" w="9525">
                 <a:solidFill>
                   <a:srgbClr val="000000"/>
                 </a:solidFill>
@@ -2007,7 +2012,7 @@
           <a:ln/>
           <a:extLst>
             <a:ext uri="{91240B29-F687-4f45-9708-019B960494DF}">
-              <a14:hiddenLine xmlns:a14="http://schemas.microsoft.com/office/drawing/2010/main" xmlns="" w="9525">
+              <a14:hiddenLine xmlns="" xmlns:a14="http://schemas.microsoft.com/office/drawing/2010/main" w="9525">
                 <a:solidFill>
                   <a:srgbClr val="000000"/>
                 </a:solidFill>
@@ -2290,7 +2295,7 @@
           <a:ln/>
           <a:extLst>
             <a:ext uri="{91240B29-F687-4f45-9708-019B960494DF}">
-              <a14:hiddenLine xmlns:a14="http://schemas.microsoft.com/office/drawing/2010/main" xmlns="" w="9525">
+              <a14:hiddenLine xmlns="" xmlns:a14="http://schemas.microsoft.com/office/drawing/2010/main" w="9525">
                 <a:solidFill>
                   <a:srgbClr val="000000"/>
                 </a:solidFill>
@@ -2916,7 +2921,7 @@
           <a:ln/>
           <a:extLst>
             <a:ext uri="{91240B29-F687-4f45-9708-019B960494DF}">
-              <a14:hiddenLine xmlns:a14="http://schemas.microsoft.com/office/drawing/2010/main" xmlns="" w="9525">
+              <a14:hiddenLine xmlns="" xmlns:a14="http://schemas.microsoft.com/office/drawing/2010/main" w="9525">
                 <a:solidFill>
                   <a:srgbClr val="000000"/>
                 </a:solidFill>
@@ -3255,7 +3260,7 @@
           <a:ln/>
           <a:extLst>
             <a:ext uri="{91240B29-F687-4f45-9708-019B960494DF}">
-              <a14:hiddenLine xmlns:a14="http://schemas.microsoft.com/office/drawing/2010/main" xmlns="" w="9525">
+              <a14:hiddenLine xmlns="" xmlns:a14="http://schemas.microsoft.com/office/drawing/2010/main" w="9525">
                 <a:solidFill>
                   <a:srgbClr val="000000"/>
                 </a:solidFill>
@@ -3732,7 +3737,7 @@
           <a:ln/>
           <a:extLst>
             <a:ext uri="{91240B29-F687-4f45-9708-019B960494DF}">
-              <a14:hiddenLine xmlns:a14="http://schemas.microsoft.com/office/drawing/2010/main" xmlns="" w="9525">
+              <a14:hiddenLine xmlns="" xmlns:a14="http://schemas.microsoft.com/office/drawing/2010/main" w="9525">
                 <a:solidFill>
                   <a:srgbClr val="000000"/>
                 </a:solidFill>
@@ -4161,7 +4166,7 @@
           <a:ln/>
           <a:extLst>
             <a:ext uri="{91240B29-F687-4f45-9708-019B960494DF}">
-              <a14:hiddenLine xmlns:a14="http://schemas.microsoft.com/office/drawing/2010/main" xmlns="" w="9525">
+              <a14:hiddenLine xmlns="" xmlns:a14="http://schemas.microsoft.com/office/drawing/2010/main" w="9525">
                 <a:solidFill>
                   <a:srgbClr val="000000"/>
                 </a:solidFill>
@@ -5950,7 +5955,7 @@
         <p:spPr>
           <a:xfrm>
             <a:off x="0" y="6596390"/>
-            <a:ext cx="7015062" cy="261610"/>
+            <a:ext cx="7906332" cy="261610"/>
           </a:xfrm>
           <a:prstGeom prst="rect">
             <a:avLst/>
@@ -5980,7 +5985,7 @@
                   </a:extLst>
                 </a:hlinkClick>
               </a:rPr>
-              <a:t>https://github.com/jonasclaes/Kansrekenen_met_Python/blob/master/dobbelsteen-basic.py</a:t>
+              <a:t>https://github.com/jonasclaes/Kansrekenen_met_Python/blob/master/experiments/dobbelsteen-basic.py</a:t>
             </a:r>
             <a:endParaRPr lang="nl-BE" sz="1100" dirty="0">
               <a:solidFill>
@@ -6581,8 +6586,8 @@
           </a:p>
         </p:txBody>
       </p:sp>
-      <mc:AlternateContent xmlns:mc="http://schemas.openxmlformats.org/markup-compatibility/2006">
-        <mc:Choice xmlns:a14="http://schemas.microsoft.com/office/drawing/2010/main" Requires="a14">
+      <mc:AlternateContent xmlns:mc="http://schemas.openxmlformats.org/markup-compatibility/2006" xmlns:a14="http://schemas.microsoft.com/office/drawing/2010/main">
+        <mc:Choice Requires="a14">
           <p:sp>
             <p:nvSpPr>
               <p:cNvPr id="3" name="Tijdelijke aanduiding voor inhoud 2">
@@ -6726,7 +6731,7 @@
             </p:txBody>
           </p:sp>
         </mc:Choice>
-        <mc:Fallback>
+        <mc:Fallback xmlns="">
           <p:sp>
             <p:nvSpPr>
               <p:cNvPr id="3" name="Tijdelijke aanduiding voor inhoud 2">
